--- a/materials/slides/ch07.pptx
+++ b/materials/slides/ch07.pptx
@@ -169,7 +169,7 @@
   </p:defaultTextStyle>
   <p:extLst>
     <p:ext uri="{EFAFB233-063F-42B5-8137-9DF3F51BA10A}">
-      <p15:sldGuideLst xmlns:p15="http://schemas.microsoft.com/office/powerpoint/2012/main">
+      <p15:sldGuideLst xmlns:p15="http://schemas.microsoft.com/office/powerpoint/2012/main" xmlns="">
         <p15:guide id="1" orient="horz" pos="1556">
           <p15:clr>
             <a:srgbClr val="A4A3A4"/>
@@ -188,7 +188,7 @@
       </p15:sldGuideLst>
     </p:ext>
     <p:ext uri="{2D200454-40CA-4A62-9FC3-DE9A4176ACB9}">
-      <p15:notesGuideLst xmlns:p15="http://schemas.microsoft.com/office/powerpoint/2012/main">
+      <p15:notesGuideLst xmlns:p15="http://schemas.microsoft.com/office/powerpoint/2012/main" xmlns="">
         <p15:guide id="1" orient="horz" pos="3108">
           <p15:clr>
             <a:srgbClr val="A4A3A4"/>
@@ -506,6 +506,11 @@
         </p:txBody>
       </p:sp>
     </p:spTree>
+    <p:extLst>
+      <p:ext uri="{BB962C8B-B14F-4D97-AF65-F5344CB8AC3E}">
+        <p14:creationId xmlns:p14="http://schemas.microsoft.com/office/powerpoint/2010/main" val="3488230049"/>
+      </p:ext>
+    </p:extLst>
   </p:cSld>
   <p:clrMap bg1="lt1" tx1="dk1" bg2="lt2" tx2="dk2" accent1="accent1" accent2="accent2" accent3="accent3" accent4="accent4" accent5="accent5" accent6="accent6" hlink="hlink" folHlink="folHlink"/>
   <p:notesStyle>
@@ -1018,35 +1023,6 @@
           <a:bodyPr/>
           <a:lstStyle/>
           <a:p>
-            <a:pPr marL="0" marR="0" indent="0" algn="l" defTabSz="914400" rtl="0" eaLnBrk="0" fontAlgn="base" latinLnBrk="0" hangingPunct="0">
-              <a:lnSpc>
-                <a:spcPct val="100000"/>
-              </a:lnSpc>
-              <a:spcBef>
-                <a:spcPct val="30000"/>
-              </a:spcBef>
-              <a:spcAft>
-                <a:spcPct val="0"/>
-              </a:spcAft>
-              <a:buClrTx/>
-              <a:buSzTx/>
-              <a:buFontTx/>
-              <a:buNone/>
-              <a:tabLst/>
-              <a:defRPr/>
-            </a:pPr>
-            <a:r>
-              <a:rPr lang="zh-CN" altLang="en-US" sz="1200" dirty="0" smtClean="0">
-                <a:solidFill>
-                  <a:srgbClr val="253750"/>
-                </a:solidFill>
-                <a:latin typeface="宋体" panose="02010600030101010101" pitchFamily="2" charset="-122"/>
-                <a:ea typeface="+mn-ea"/>
-              </a:rPr>
-              <a:t>这种机制对于信息变化不是特别频繁的应用尚能相安无事，但是对于那些实时要求比较高的应用来说，比如说在线游戏、在线证券、设备监控、新闻在线播报、RSS 订阅推送等等，当客户端浏览器准备呈现这些信息的时候，这些信息在服务器端可能已经过时了。</a:t>
-            </a:r>
-          </a:p>
-          <a:p>
             <a:endParaRPr lang="zh-CN" altLang="en-US" dirty="0"/>
           </a:p>
         </p:txBody>
@@ -1130,54 +1106,6 @@
         <p:txBody>
           <a:bodyPr/>
           <a:lstStyle/>
-          <a:p>
-            <a:r>
-              <a:rPr lang="zh-CN" altLang="en-US" dirty="0" smtClean="0"/>
-              <a:t>这种单向请求的特点，注定了如果服务器有连续的状态变化，客户端要获知就非常麻烦。我们只能使用</a:t>
-            </a:r>
-            <a:r>
-              <a:rPr lang="en-US" altLang="zh-CN" dirty="0" smtClean="0"/>
-              <a:t>"</a:t>
-            </a:r>
-            <a:r>
-              <a:rPr lang="zh-CN" altLang="en-US" dirty="0" smtClean="0"/>
-              <a:t>轮询</a:t>
-            </a:r>
-            <a:r>
-              <a:rPr lang="en-US" altLang="zh-CN" dirty="0" smtClean="0"/>
-              <a:t>"</a:t>
-            </a:r>
-            <a:r>
-              <a:rPr lang="zh-CN" altLang="en-US" dirty="0" smtClean="0"/>
-              <a:t>：每隔一段时候，就发出一个询问，了解服务器有没有新的信息。最典型的场景就是聊天室。</a:t>
-            </a:r>
-          </a:p>
-          <a:p>
-            <a:r>
-              <a:rPr lang="zh-CN" altLang="en-US" dirty="0" smtClean="0"/>
-              <a:t>轮询的效率低，非常浪费资源（因为必须不停连接，或者 </a:t>
-            </a:r>
-            <a:r>
-              <a:rPr lang="en-US" altLang="zh-CN" dirty="0" smtClean="0"/>
-              <a:t>HTTP </a:t>
-            </a:r>
-            <a:r>
-              <a:rPr lang="zh-CN" altLang="en-US" dirty="0" smtClean="0"/>
-              <a:t>连接始终打开）。因此，工程师们一直在思考，有没有更好的方法。</a:t>
-            </a:r>
-            <a:r>
-              <a:rPr lang="en-US" altLang="zh-CN" dirty="0" err="1" smtClean="0"/>
-              <a:t>WebSocket</a:t>
-            </a:r>
-            <a:r>
-              <a:rPr lang="en-US" altLang="zh-CN" dirty="0" smtClean="0"/>
-              <a:t> </a:t>
-            </a:r>
-            <a:r>
-              <a:rPr lang="zh-CN" altLang="en-US" dirty="0" smtClean="0"/>
-              <a:t>就是这样发明的。</a:t>
-            </a:r>
-          </a:p>
           <a:p>
             <a:endParaRPr lang="zh-CN" altLang="en-US" dirty="0"/>
           </a:p>
@@ -1696,7 +1624,7 @@
         </p:blipFill>
         <p:spPr>
           <a:xfrm>
-            <a:off x="1866901" y="0"/>
+            <a:off x="2325903" y="0"/>
             <a:ext cx="10325100" cy="6883400"/>
           </a:xfrm>
           <a:prstGeom prst="rect">
@@ -1797,7 +1725,7 @@
           <a:p>
             <a:fld id="{1ABFA14F-DE9C-4D83-8C58-D4C03BB9FF78}" type="datetimeFigureOut">
               <a:rPr lang="zh-CN" altLang="en-US" smtClean="0"/>
-              <a:t>2018/9/18</a:t>
+              <a:t>2019/3/22</a:t>
             </a:fld>
             <a:endParaRPr lang="zh-CN" altLang="en-US"/>
           </a:p>
@@ -1853,7 +1781,7 @@
         </p:nvSpPr>
         <p:spPr>
           <a:xfrm>
-            <a:off x="296214" y="399245"/>
+            <a:off x="482847" y="399245"/>
             <a:ext cx="1867437" cy="1262130"/>
           </a:xfrm>
           <a:prstGeom prst="rect">
@@ -2125,7 +2053,7 @@
           <a:p>
             <a:fld id="{1ABFA14F-DE9C-4D83-8C58-D4C03BB9FF78}" type="datetimeFigureOut">
               <a:rPr lang="zh-CN" altLang="en-US" smtClean="0"/>
-              <a:t>2018/9/18</a:t>
+              <a:t>2019/3/22</a:t>
             </a:fld>
             <a:endParaRPr lang="zh-CN" altLang="en-US"/>
           </a:p>
@@ -2250,7 +2178,7 @@
           <a:p>
             <a:fld id="{1ABFA14F-DE9C-4D83-8C58-D4C03BB9FF78}" type="datetimeFigureOut">
               <a:rPr lang="zh-CN" altLang="en-US" smtClean="0"/>
-              <a:t>2018/9/18</a:t>
+              <a:t>2019/3/22</a:t>
             </a:fld>
             <a:endParaRPr lang="zh-CN" altLang="en-US"/>
           </a:p>
@@ -2658,7 +2586,7 @@
           <a:p>
             <a:fld id="{1ABFA14F-DE9C-4D83-8C58-D4C03BB9FF78}" type="datetimeFigureOut">
               <a:rPr lang="zh-CN" altLang="en-US" smtClean="0"/>
-              <a:t>2018/9/18</a:t>
+              <a:t>2019/3/22</a:t>
             </a:fld>
             <a:endParaRPr lang="zh-CN" altLang="en-US"/>
           </a:p>
@@ -2974,7 +2902,7 @@
           <a:p>
             <a:fld id="{1ABFA14F-DE9C-4D83-8C58-D4C03BB9FF78}" type="datetimeFigureOut">
               <a:rPr lang="zh-CN" altLang="en-US" smtClean="0"/>
-              <a:t>2018/9/18</a:t>
+              <a:t>2019/3/22</a:t>
             </a:fld>
             <a:endParaRPr lang="zh-CN" altLang="en-US"/>
           </a:p>
@@ -3581,8 +3509,8 @@
         </p:nvSpPr>
         <p:spPr>
           <a:xfrm>
-            <a:off x="474665" y="2163765"/>
-            <a:ext cx="6144684" cy="1114424"/>
+            <a:off x="117260" y="2163765"/>
+            <a:ext cx="6843135" cy="1114424"/>
           </a:xfrm>
         </p:spPr>
         <p:txBody>
@@ -3592,12 +3520,20 @@
           <a:lstStyle/>
           <a:p>
             <a:r>
+              <a:rPr lang="da-DK" altLang="zh-CN" sz="4800" dirty="0"/>
+              <a:t>HTML5</a:t>
+            </a:r>
+            <a:r>
+              <a:rPr lang="zh-CN" altLang="en-US" sz="4800" dirty="0"/>
+              <a:t>与</a:t>
+            </a:r>
+            <a:r>
               <a:rPr lang="en-US" altLang="zh-CN" sz="4800" dirty="0"/>
-              <a:t>HTML5</a:t>
+              <a:t>CSS3</a:t>
             </a:r>
             <a:r>
               <a:rPr lang="zh-CN" altLang="en-US" sz="4800" dirty="0"/>
-              <a:t>程序设计基础</a:t>
+              <a:t>前端开发</a:t>
             </a:r>
             <a:endParaRPr lang="zh-CN" sz="4800" dirty="0"/>
           </a:p>
@@ -3962,8 +3898,8 @@
             </a:outerShdw>
           </a:effectLst>
           <a:extLst>
-            <a:ext uri="{909E8E84-426E-40dd-AFC4-6F175D3DCCD1}">
-              <a14:hiddenFill xmlns:a14="http://schemas.microsoft.com/office/drawing/2010/main" xmlns="">
+            <a:ext uri="{909E8E84-426E-40DD-AFC4-6F175D3DCCD1}">
+              <a14:hiddenFill xmlns:a14="http://schemas.microsoft.com/office/drawing/2010/main">
                 <a:noFill/>
               </a14:hiddenFill>
             </a:ext>
@@ -4003,8 +3939,8 @@
             </a:outerShdw>
           </a:effectLst>
           <a:extLst>
-            <a:ext uri="{909E8E84-426E-40dd-AFC4-6F175D3DCCD1}">
-              <a14:hiddenFill xmlns:a14="http://schemas.microsoft.com/office/drawing/2010/main" xmlns="">
+            <a:ext uri="{909E8E84-426E-40DD-AFC4-6F175D3DCCD1}">
+              <a14:hiddenFill xmlns:a14="http://schemas.microsoft.com/office/drawing/2010/main">
                 <a:noFill/>
               </a14:hiddenFill>
             </a:ext>
@@ -9491,14 +9427,14 @@
                 <a:gridCol w="4321980">
                   <a:extLst>
                     <a:ext uri="{9D8B030D-6E8A-4147-A177-3AD203B41FA5}">
-                      <a16:colId xmlns:a16="http://schemas.microsoft.com/office/drawing/2014/main" val="3272655228"/>
+                      <a16:colId xmlns:a16="http://schemas.microsoft.com/office/drawing/2014/main" xmlns="" val="3272655228"/>
                     </a:ext>
                   </a:extLst>
                 </a:gridCol>
                 <a:gridCol w="6050772">
                   <a:extLst>
                     <a:ext uri="{9D8B030D-6E8A-4147-A177-3AD203B41FA5}">
-                      <a16:colId xmlns:a16="http://schemas.microsoft.com/office/drawing/2014/main" val="1082298797"/>
+                      <a16:colId xmlns:a16="http://schemas.microsoft.com/office/drawing/2014/main" xmlns="" val="1082298797"/>
                     </a:ext>
                   </a:extLst>
                 </a:gridCol>
@@ -9628,7 +9564,7 @@
                 </a:tc>
                 <a:extLst>
                   <a:ext uri="{0D108BD9-81ED-4DB2-BD59-A6C34878D82A}">
-                    <a16:rowId xmlns:a16="http://schemas.microsoft.com/office/drawing/2014/main" val="1186994438"/>
+                    <a16:rowId xmlns:a16="http://schemas.microsoft.com/office/drawing/2014/main" xmlns="" val="1186994438"/>
                   </a:ext>
                 </a:extLst>
               </a:tr>
@@ -10022,7 +9958,7 @@
                 </a:tc>
                 <a:extLst>
                   <a:ext uri="{0D108BD9-81ED-4DB2-BD59-A6C34878D82A}">
-                    <a16:rowId xmlns:a16="http://schemas.microsoft.com/office/drawing/2014/main" val="1243001889"/>
+                    <a16:rowId xmlns:a16="http://schemas.microsoft.com/office/drawing/2014/main" xmlns="" val="1243001889"/>
                   </a:ext>
                 </a:extLst>
               </a:tr>
@@ -10236,7 +10172,7 @@
                 </a:tc>
                 <a:extLst>
                   <a:ext uri="{0D108BD9-81ED-4DB2-BD59-A6C34878D82A}">
-                    <a16:rowId xmlns:a16="http://schemas.microsoft.com/office/drawing/2014/main" val="287631899"/>
+                    <a16:rowId xmlns:a16="http://schemas.microsoft.com/office/drawing/2014/main" xmlns="" val="287631899"/>
                   </a:ext>
                 </a:extLst>
               </a:tr>
@@ -12325,7 +12261,7 @@
             <a:r>
               <a:rPr lang="en-US" altLang="zh-CN" sz="2200" dirty="0" err="1">
                 <a:solidFill>
-                  <a:srgbClr val="000000"/>
+                  <a:srgbClr val="FF0000"/>
                 </a:solidFill>
               </a:rPr>
               <a:t>ws.readyState</a:t>
@@ -12863,15 +12799,19 @@
           <a:lstStyle/>
           <a:p>
             <a:r>
-              <a:rPr lang="zh-CN" altLang="en-US" smtClean="0"/>
-              <a:t>实例对象的</a:t>
-            </a:r>
-            <a:r>
-              <a:rPr lang="en-US" altLang="zh-CN" smtClean="0"/>
+              <a:rPr lang="zh-CN" altLang="en-US" dirty="0" smtClean="0"/>
+              <a:t>实例对象的 </a:t>
+            </a:r>
+            <a:r>
+              <a:rPr lang="en-US" altLang="zh-CN" dirty="0" err="1" smtClean="0"/>
               <a:t>bufferedAmount</a:t>
             </a:r>
             <a:r>
-              <a:rPr lang="zh-CN" altLang="en-US" smtClean="0"/>
+              <a:rPr lang="en-US" altLang="zh-CN" dirty="0" smtClean="0"/>
+              <a:t> </a:t>
+            </a:r>
+            <a:r>
+              <a:rPr lang="zh-CN" altLang="en-US" dirty="0" smtClean="0"/>
               <a:t>属性可以用来判断发送是否结束。</a:t>
             </a:r>
             <a:endParaRPr lang="zh-CN" altLang="en-US" dirty="0"/>
@@ -12886,8 +12826,8 @@
         </p:nvSpPr>
         <p:spPr>
           <a:xfrm>
-            <a:off x="1872927" y="2378865"/>
-            <a:ext cx="7464557" cy="4247317"/>
+            <a:off x="1872927" y="2204439"/>
+            <a:ext cx="7752690" cy="4452501"/>
           </a:xfrm>
           <a:prstGeom prst="rect">
             <a:avLst/>
@@ -12904,19 +12844,19 @@
           <a:p>
             <a:pPr>
               <a:lnSpc>
-                <a:spcPts val="3600"/>
+                <a:spcPts val="3400"/>
               </a:lnSpc>
             </a:pPr>
             <a:r>
-              <a:rPr lang="sv-SE" altLang="zh-CN" sz="2800" dirty="0">
+              <a:rPr lang="sv-SE" altLang="zh-CN" sz="2600" dirty="0" smtClean="0">
                 <a:solidFill>
                   <a:srgbClr val="000000"/>
                 </a:solidFill>
               </a:rPr>
-              <a:t>var </a:t>
-            </a:r>
-            <a:r>
-              <a:rPr lang="en-US" altLang="zh-CN" sz="2800" dirty="0" smtClean="0">
+              <a:t> var </a:t>
+            </a:r>
+            <a:r>
+              <a:rPr lang="en-US" altLang="zh-CN" sz="2600" dirty="0" smtClean="0">
                 <a:solidFill>
                   <a:srgbClr val="000000"/>
                 </a:solidFill>
@@ -12924,7 +12864,7 @@
               <a:t>s</a:t>
             </a:r>
             <a:r>
-              <a:rPr lang="sv-SE" altLang="zh-CN" sz="2800" dirty="0" smtClean="0">
+              <a:rPr lang="sv-SE" altLang="zh-CN" sz="2600" dirty="0" smtClean="0">
                 <a:solidFill>
                   <a:srgbClr val="000000"/>
                 </a:solidFill>
@@ -12932,14 +12872,14 @@
               <a:t>ocket </a:t>
             </a:r>
             <a:r>
-              <a:rPr lang="sv-SE" altLang="zh-CN" sz="2800" dirty="0">
+              <a:rPr lang="sv-SE" altLang="zh-CN" sz="2600" dirty="0">
                 <a:solidFill>
                   <a:srgbClr val="000000"/>
                 </a:solidFill>
               </a:rPr>
               <a:t>= new WebSocket(url, [protocol] );</a:t>
             </a:r>
-            <a:endParaRPr lang="en-US" altLang="zh-CN" sz="2800" dirty="0" smtClean="0">
+            <a:endParaRPr lang="en-US" altLang="zh-CN" sz="2600" dirty="0" smtClean="0">
               <a:solidFill>
                 <a:srgbClr val="000000"/>
               </a:solidFill>
@@ -12948,11 +12888,19 @@
           <a:p>
             <a:pPr>
               <a:lnSpc>
-                <a:spcPts val="3600"/>
+                <a:spcPts val="3400"/>
               </a:lnSpc>
             </a:pPr>
             <a:r>
-              <a:rPr lang="en-US" altLang="zh-CN" sz="2800" dirty="0" err="1" smtClean="0">
+              <a:rPr lang="en-US" altLang="zh-CN" sz="2600" dirty="0" smtClean="0">
+                <a:solidFill>
+                  <a:srgbClr val="000000"/>
+                </a:solidFill>
+              </a:rPr>
+              <a:t> </a:t>
+            </a:r>
+            <a:r>
+              <a:rPr lang="en-US" altLang="zh-CN" sz="2600" dirty="0" err="1" smtClean="0">
                 <a:solidFill>
                   <a:srgbClr val="000000"/>
                 </a:solidFill>
@@ -12960,7 +12908,7 @@
               <a:t>var</a:t>
             </a:r>
             <a:r>
-              <a:rPr lang="en-US" altLang="zh-CN" sz="2800" dirty="0" smtClean="0">
+              <a:rPr lang="en-US" altLang="zh-CN" sz="2600" dirty="0" smtClean="0">
                 <a:solidFill>
                   <a:srgbClr val="000000"/>
                 </a:solidFill>
@@ -12968,7 +12916,7 @@
               <a:t> </a:t>
             </a:r>
             <a:r>
-              <a:rPr lang="en-US" altLang="zh-CN" sz="2800" dirty="0">
+              <a:rPr lang="en-US" altLang="zh-CN" sz="2600" dirty="0">
                 <a:solidFill>
                   <a:srgbClr val="000000"/>
                 </a:solidFill>
@@ -12976,7 +12924,7 @@
               <a:t>data = new </a:t>
             </a:r>
             <a:r>
-              <a:rPr lang="en-US" altLang="zh-CN" sz="2800" dirty="0" err="1">
+              <a:rPr lang="en-US" altLang="zh-CN" sz="2600" dirty="0" err="1">
                 <a:solidFill>
                   <a:srgbClr val="000000"/>
                 </a:solidFill>
@@ -12984,7 +12932,7 @@
               <a:t>ArrayBuffer</a:t>
             </a:r>
             <a:r>
-              <a:rPr lang="en-US" altLang="zh-CN" sz="2800" dirty="0">
+              <a:rPr lang="en-US" altLang="zh-CN" sz="2600" dirty="0">
                 <a:solidFill>
                   <a:srgbClr val="000000"/>
                 </a:solidFill>
@@ -12995,11 +12943,19 @@
           <a:p>
             <a:pPr>
               <a:lnSpc>
-                <a:spcPts val="3600"/>
+                <a:spcPts val="3400"/>
               </a:lnSpc>
             </a:pPr>
             <a:r>
-              <a:rPr lang="en-US" altLang="zh-CN" sz="2800" dirty="0" err="1">
+              <a:rPr lang="en-US" altLang="zh-CN" sz="2600" dirty="0" smtClean="0">
+                <a:solidFill>
+                  <a:srgbClr val="000000"/>
+                </a:solidFill>
+              </a:rPr>
+              <a:t> </a:t>
+            </a:r>
+            <a:r>
+              <a:rPr lang="en-US" altLang="zh-CN" sz="2600" dirty="0" err="1" smtClean="0">
                 <a:solidFill>
                   <a:srgbClr val="000000"/>
                 </a:solidFill>
@@ -13007,21 +12963,29 @@
               <a:t>socket.send</a:t>
             </a:r>
             <a:r>
-              <a:rPr lang="en-US" altLang="zh-CN" sz="2800" dirty="0">
+              <a:rPr lang="en-US" altLang="zh-CN" sz="2600" dirty="0" smtClean="0">
                 <a:solidFill>
                   <a:srgbClr val="000000"/>
                 </a:solidFill>
               </a:rPr>
-              <a:t>(data);</a:t>
+              <a:t>(data</a:t>
+            </a:r>
+            <a:r>
+              <a:rPr lang="en-US" altLang="zh-CN" sz="2600" dirty="0">
+                <a:solidFill>
+                  <a:srgbClr val="000000"/>
+                </a:solidFill>
+              </a:rPr>
+              <a:t>);</a:t>
             </a:r>
           </a:p>
           <a:p>
             <a:pPr>
               <a:lnSpc>
-                <a:spcPts val="3600"/>
+                <a:spcPts val="3400"/>
               </a:lnSpc>
             </a:pPr>
-            <a:endParaRPr lang="en-US" altLang="zh-CN" sz="2800" dirty="0">
+            <a:endParaRPr lang="en-US" altLang="zh-CN" sz="2600" dirty="0">
               <a:solidFill>
                 <a:srgbClr val="000000"/>
               </a:solidFill>
@@ -13030,19 +12994,27 @@
           <a:p>
             <a:pPr>
               <a:lnSpc>
-                <a:spcPts val="3600"/>
+                <a:spcPts val="3400"/>
               </a:lnSpc>
             </a:pPr>
             <a:r>
-              <a:rPr lang="en-US" altLang="zh-CN" sz="2800" dirty="0">
+              <a:rPr lang="en-US" altLang="zh-CN" sz="2600" dirty="0" smtClean="0">
                 <a:solidFill>
                   <a:srgbClr val="000000"/>
                 </a:solidFill>
               </a:rPr>
-              <a:t>if (</a:t>
-            </a:r>
-            <a:r>
-              <a:rPr lang="en-US" altLang="zh-CN" sz="2800" dirty="0" err="1">
+              <a:t> if </a:t>
+            </a:r>
+            <a:r>
+              <a:rPr lang="en-US" altLang="zh-CN" sz="2600" dirty="0">
+                <a:solidFill>
+                  <a:srgbClr val="000000"/>
+                </a:solidFill>
+              </a:rPr>
+              <a:t>(</a:t>
+            </a:r>
+            <a:r>
+              <a:rPr lang="en-US" altLang="zh-CN" sz="2600" dirty="0" err="1">
                 <a:solidFill>
                   <a:srgbClr val="000000"/>
                 </a:solidFill>
@@ -13050,7 +13022,7 @@
               <a:t>socket.bufferedAmount</a:t>
             </a:r>
             <a:r>
-              <a:rPr lang="en-US" altLang="zh-CN" sz="2800" dirty="0">
+              <a:rPr lang="en-US" altLang="zh-CN" sz="2600" dirty="0">
                 <a:solidFill>
                   <a:srgbClr val="000000"/>
                 </a:solidFill>
@@ -13061,19 +13033,27 @@
           <a:p>
             <a:pPr>
               <a:lnSpc>
-                <a:spcPts val="3600"/>
+                <a:spcPts val="3400"/>
               </a:lnSpc>
             </a:pPr>
             <a:r>
-              <a:rPr lang="en-US" altLang="zh-CN" sz="2800" dirty="0">
+              <a:rPr lang="en-US" altLang="zh-CN" sz="2600" dirty="0">
                 <a:solidFill>
                   <a:srgbClr val="000000"/>
                 </a:solidFill>
               </a:rPr>
-              <a:t>  // </a:t>
-            </a:r>
-            <a:r>
-              <a:rPr lang="zh-CN" altLang="en-US" sz="2800" dirty="0">
+              <a:t>  </a:t>
+            </a:r>
+            <a:r>
+              <a:rPr lang="en-US" altLang="zh-CN" sz="2600" dirty="0" smtClean="0">
+                <a:solidFill>
+                  <a:srgbClr val="000000"/>
+                </a:solidFill>
+              </a:rPr>
+              <a:t>    // </a:t>
+            </a:r>
+            <a:r>
+              <a:rPr lang="zh-CN" altLang="en-US" sz="2600" dirty="0">
                 <a:solidFill>
                   <a:srgbClr val="000000"/>
                 </a:solidFill>
@@ -13084,34 +13064,73 @@
           <a:p>
             <a:pPr>
               <a:lnSpc>
-                <a:spcPts val="3600"/>
+                <a:spcPts val="3400"/>
               </a:lnSpc>
             </a:pPr>
             <a:r>
-              <a:rPr lang="en-US" altLang="zh-CN" sz="2800" dirty="0">
+              <a:rPr lang="en-US" altLang="zh-CN" sz="2600" dirty="0" smtClean="0">
                 <a:solidFill>
                   <a:srgbClr val="000000"/>
                 </a:solidFill>
               </a:rPr>
-              <a:t>} else {</a:t>
+              <a:t> } </a:t>
             </a:r>
           </a:p>
           <a:p>
             <a:pPr>
               <a:lnSpc>
-                <a:spcPts val="3600"/>
+                <a:spcPts val="3400"/>
               </a:lnSpc>
             </a:pPr>
             <a:r>
-              <a:rPr lang="en-US" altLang="zh-CN" sz="2800" dirty="0">
+              <a:rPr lang="en-US" altLang="zh-CN" sz="2600" dirty="0">
                 <a:solidFill>
                   <a:srgbClr val="000000"/>
                 </a:solidFill>
               </a:rPr>
-              <a:t>  // </a:t>
-            </a:r>
-            <a:r>
-              <a:rPr lang="zh-CN" altLang="en-US" sz="2800" dirty="0">
+              <a:t> </a:t>
+            </a:r>
+            <a:r>
+              <a:rPr lang="en-US" altLang="zh-CN" sz="2600" dirty="0" smtClean="0">
+                <a:solidFill>
+                  <a:srgbClr val="000000"/>
+                </a:solidFill>
+              </a:rPr>
+              <a:t>else </a:t>
+            </a:r>
+            <a:r>
+              <a:rPr lang="en-US" altLang="zh-CN" sz="2600" dirty="0">
+                <a:solidFill>
+                  <a:srgbClr val="000000"/>
+                </a:solidFill>
+              </a:rPr>
+              <a:t>{</a:t>
+            </a:r>
+          </a:p>
+          <a:p>
+            <a:pPr>
+              <a:lnSpc>
+                <a:spcPts val="3400"/>
+              </a:lnSpc>
+            </a:pPr>
+            <a:r>
+              <a:rPr lang="en-US" altLang="zh-CN" sz="2600" dirty="0">
+                <a:solidFill>
+                  <a:srgbClr val="000000"/>
+                </a:solidFill>
+              </a:rPr>
+              <a:t>  </a:t>
+            </a:r>
+            <a:r>
+              <a:rPr lang="en-US" altLang="zh-CN" sz="2600" dirty="0" smtClean="0">
+                <a:solidFill>
+                  <a:srgbClr val="000000"/>
+                </a:solidFill>
+              </a:rPr>
+              <a:t>    // </a:t>
+            </a:r>
+            <a:r>
+              <a:rPr lang="zh-CN" altLang="en-US" sz="2600" dirty="0">
                 <a:solidFill>
                   <a:srgbClr val="000000"/>
                 </a:solidFill>
@@ -13122,18 +13141,18 @@
           <a:p>
             <a:pPr>
               <a:lnSpc>
-                <a:spcPts val="3600"/>
+                <a:spcPts val="3400"/>
               </a:lnSpc>
             </a:pPr>
             <a:r>
-              <a:rPr lang="en-US" altLang="zh-CN" sz="2800" dirty="0">
+              <a:rPr lang="en-US" altLang="zh-CN" sz="2600" dirty="0" smtClean="0">
                 <a:solidFill>
                   <a:srgbClr val="000000"/>
                 </a:solidFill>
               </a:rPr>
-              <a:t>}</a:t>
-            </a:r>
-            <a:endParaRPr lang="zh-CN" altLang="en-US" sz="2800" dirty="0">
+              <a:t> }</a:t>
+            </a:r>
+            <a:endParaRPr lang="zh-CN" altLang="en-US" sz="2600" dirty="0">
               <a:solidFill>
                 <a:srgbClr val="000000"/>
               </a:solidFill>
@@ -13231,21 +13250,21 @@
                 <a:gridCol w="1800506">
                   <a:extLst>
                     <a:ext uri="{9D8B030D-6E8A-4147-A177-3AD203B41FA5}">
-                      <a16:colId xmlns:a16="http://schemas.microsoft.com/office/drawing/2014/main" val="70391539"/>
+                      <a16:colId xmlns:a16="http://schemas.microsoft.com/office/drawing/2014/main" xmlns="" val="70391539"/>
                     </a:ext>
                   </a:extLst>
                 </a:gridCol>
                 <a:gridCol w="3491152">
                   <a:extLst>
                     <a:ext uri="{9D8B030D-6E8A-4147-A177-3AD203B41FA5}">
-                      <a16:colId xmlns:a16="http://schemas.microsoft.com/office/drawing/2014/main" val="2112723764"/>
+                      <a16:colId xmlns:a16="http://schemas.microsoft.com/office/drawing/2014/main" xmlns="" val="2112723764"/>
                     </a:ext>
                   </a:extLst>
                 </a:gridCol>
                 <a:gridCol w="4233951">
                   <a:extLst>
                     <a:ext uri="{9D8B030D-6E8A-4147-A177-3AD203B41FA5}">
-                      <a16:colId xmlns:a16="http://schemas.microsoft.com/office/drawing/2014/main" val="2343447866"/>
+                      <a16:colId xmlns:a16="http://schemas.microsoft.com/office/drawing/2014/main" xmlns="" val="2343447866"/>
                     </a:ext>
                   </a:extLst>
                 </a:gridCol>
@@ -13460,7 +13479,7 @@
                 </a:tc>
                 <a:extLst>
                   <a:ext uri="{0D108BD9-81ED-4DB2-BD59-A6C34878D82A}">
-                    <a16:rowId xmlns:a16="http://schemas.microsoft.com/office/drawing/2014/main" val="609700425"/>
+                    <a16:rowId xmlns:a16="http://schemas.microsoft.com/office/drawing/2014/main" xmlns="" val="609700425"/>
                   </a:ext>
                 </a:extLst>
               </a:tr>
@@ -13715,7 +13734,7 @@
                 </a:tc>
                 <a:extLst>
                   <a:ext uri="{0D108BD9-81ED-4DB2-BD59-A6C34878D82A}">
-                    <a16:rowId xmlns:a16="http://schemas.microsoft.com/office/drawing/2014/main" val="895255559"/>
+                    <a16:rowId xmlns:a16="http://schemas.microsoft.com/office/drawing/2014/main" xmlns="" val="895255559"/>
                   </a:ext>
                 </a:extLst>
               </a:tr>
@@ -13949,7 +13968,7 @@
                 </a:tc>
                 <a:extLst>
                   <a:ext uri="{0D108BD9-81ED-4DB2-BD59-A6C34878D82A}">
-                    <a16:rowId xmlns:a16="http://schemas.microsoft.com/office/drawing/2014/main" val="613507847"/>
+                    <a16:rowId xmlns:a16="http://schemas.microsoft.com/office/drawing/2014/main" xmlns="" val="613507847"/>
                   </a:ext>
                 </a:extLst>
               </a:tr>
@@ -14183,7 +14202,7 @@
                 </a:tc>
                 <a:extLst>
                   <a:ext uri="{0D108BD9-81ED-4DB2-BD59-A6C34878D82A}">
-                    <a16:rowId xmlns:a16="http://schemas.microsoft.com/office/drawing/2014/main" val="3257374108"/>
+                    <a16:rowId xmlns:a16="http://schemas.microsoft.com/office/drawing/2014/main" xmlns="" val="3257374108"/>
                   </a:ext>
                 </a:extLst>
               </a:tr>
@@ -14417,7 +14436,7 @@
                 </a:tc>
                 <a:extLst>
                   <a:ext uri="{0D108BD9-81ED-4DB2-BD59-A6C34878D82A}">
-                    <a16:rowId xmlns:a16="http://schemas.microsoft.com/office/drawing/2014/main" val="1772632944"/>
+                    <a16:rowId xmlns:a16="http://schemas.microsoft.com/office/drawing/2014/main" xmlns="" val="1772632944"/>
                   </a:ext>
                 </a:extLst>
               </a:tr>
@@ -14771,7 +14790,6 @@
               <a:rPr lang="en-US" altLang="zh-CN" dirty="0"/>
               <a:t>://localhost:8080');</a:t>
             </a:r>
-            <a:endParaRPr lang="en-US" altLang="zh-CN" dirty="0"/>
           </a:p>
           <a:p>
             <a:pPr lvl="1"/>
@@ -15495,14 +15513,14 @@
                 <a:gridCol w="4252913">
                   <a:extLst>
                     <a:ext uri="{9D8B030D-6E8A-4147-A177-3AD203B41FA5}">
-                      <a16:colId xmlns:a16="http://schemas.microsoft.com/office/drawing/2014/main" val="1200910269"/>
+                      <a16:colId xmlns:a16="http://schemas.microsoft.com/office/drawing/2014/main" xmlns="" val="1200910269"/>
                     </a:ext>
                   </a:extLst>
                 </a:gridCol>
                 <a:gridCol w="4252913">
                   <a:extLst>
                     <a:ext uri="{9D8B030D-6E8A-4147-A177-3AD203B41FA5}">
-                      <a16:colId xmlns:a16="http://schemas.microsoft.com/office/drawing/2014/main" val="4119563028"/>
+                      <a16:colId xmlns:a16="http://schemas.microsoft.com/office/drawing/2014/main" xmlns="" val="4119563028"/>
                     </a:ext>
                   </a:extLst>
                 </a:gridCol>
@@ -15648,7 +15666,7 @@
                 </a:tc>
                 <a:extLst>
                   <a:ext uri="{0D108BD9-81ED-4DB2-BD59-A6C34878D82A}">
-                    <a16:rowId xmlns:a16="http://schemas.microsoft.com/office/drawing/2014/main" val="3488290134"/>
+                    <a16:rowId xmlns:a16="http://schemas.microsoft.com/office/drawing/2014/main" xmlns="" val="3488290134"/>
                   </a:ext>
                 </a:extLst>
               </a:tr>
@@ -15825,7 +15843,7 @@
                 </a:tc>
                 <a:extLst>
                   <a:ext uri="{0D108BD9-81ED-4DB2-BD59-A6C34878D82A}">
-                    <a16:rowId xmlns:a16="http://schemas.microsoft.com/office/drawing/2014/main" val="2124647640"/>
+                    <a16:rowId xmlns:a16="http://schemas.microsoft.com/office/drawing/2014/main" xmlns="" val="2124647640"/>
                   </a:ext>
                 </a:extLst>
               </a:tr>
@@ -16002,7 +16020,7 @@
                 </a:tc>
                 <a:extLst>
                   <a:ext uri="{0D108BD9-81ED-4DB2-BD59-A6C34878D82A}">
-                    <a16:rowId xmlns:a16="http://schemas.microsoft.com/office/drawing/2014/main" val="146012101"/>
+                    <a16:rowId xmlns:a16="http://schemas.microsoft.com/office/drawing/2014/main" xmlns="" val="146012101"/>
                   </a:ext>
                 </a:extLst>
               </a:tr>
@@ -16137,11 +16155,7 @@
             </a:r>
             <a:r>
               <a:rPr lang="en-US" altLang="zh-CN" dirty="0" smtClean="0"/>
-              <a:t>close</a:t>
-            </a:r>
-            <a:r>
-              <a:rPr lang="en-US" altLang="zh-CN" dirty="0" smtClean="0"/>
-              <a:t>()</a:t>
+              <a:t>close()</a:t>
             </a:r>
             <a:r>
               <a:rPr lang="zh-CN" altLang="en-US" dirty="0" smtClean="0"/>
@@ -17347,11 +17361,7 @@
           <a:p>
             <a:pPr lvl="1"/>
             <a:r>
-              <a:rPr lang="en-US" altLang="zh-CN" dirty="0"/>
-              <a:t>µ</a:t>
-            </a:r>
-            <a:r>
-              <a:rPr lang="en-US" altLang="zh-CN" dirty="0" err="1"/>
+              <a:rPr lang="en-US" altLang="zh-CN" dirty="0" err="1" smtClean="0"/>
               <a:t>WebSockets</a:t>
             </a:r>
             <a:endParaRPr lang="en-US" altLang="zh-CN" dirty="0"/>
@@ -17373,7 +17383,6 @@
               <a:rPr lang="en-US" altLang="zh-CN" dirty="0"/>
               <a:t>-Node</a:t>
             </a:r>
-            <a:endParaRPr lang="en-US" altLang="zh-CN" dirty="0"/>
           </a:p>
           <a:p>
             <a:pPr lvl="2"/>
@@ -19844,8 +19853,8 @@
             </a:outerShdw>
           </a:effectLst>
           <a:extLst>
-            <a:ext uri="{909E8E84-426E-40dd-AFC4-6F175D3DCCD1}">
-              <a14:hiddenFill xmlns:a14="http://schemas.microsoft.com/office/drawing/2010/main" xmlns="">
+            <a:ext uri="{909E8E84-426E-40DD-AFC4-6F175D3DCCD1}">
+              <a14:hiddenFill xmlns:a14="http://schemas.microsoft.com/office/drawing/2010/main">
                 <a:noFill/>
               </a14:hiddenFill>
             </a:ext>
@@ -19885,8 +19894,8 @@
             </a:outerShdw>
           </a:effectLst>
           <a:extLst>
-            <a:ext uri="{909E8E84-426E-40dd-AFC4-6F175D3DCCD1}">
-              <a14:hiddenFill xmlns:a14="http://schemas.microsoft.com/office/drawing/2010/main" xmlns="">
+            <a:ext uri="{909E8E84-426E-40DD-AFC4-6F175D3DCCD1}">
+              <a14:hiddenFill xmlns:a14="http://schemas.microsoft.com/office/drawing/2010/main">
                 <a:noFill/>
               </a14:hiddenFill>
             </a:ext>
@@ -19926,8 +19935,8 @@
             </a:outerShdw>
           </a:effectLst>
           <a:extLst>
-            <a:ext uri="{909E8E84-426E-40dd-AFC4-6F175D3DCCD1}">
-              <a14:hiddenFill xmlns:a14="http://schemas.microsoft.com/office/drawing/2010/main" xmlns="">
+            <a:ext uri="{909E8E84-426E-40DD-AFC4-6F175D3DCCD1}">
+              <a14:hiddenFill xmlns:a14="http://schemas.microsoft.com/office/drawing/2010/main">
                 <a:noFill/>
               </a14:hiddenFill>
             </a:ext>
@@ -19967,8 +19976,8 @@
             </a:outerShdw>
           </a:effectLst>
           <a:extLst>
-            <a:ext uri="{909E8E84-426E-40dd-AFC4-6F175D3DCCD1}">
-              <a14:hiddenFill xmlns:a14="http://schemas.microsoft.com/office/drawing/2010/main" xmlns="">
+            <a:ext uri="{909E8E84-426E-40DD-AFC4-6F175D3DCCD1}">
+              <a14:hiddenFill xmlns:a14="http://schemas.microsoft.com/office/drawing/2010/main">
                 <a:noFill/>
               </a14:hiddenFill>
             </a:ext>
@@ -24455,7 +24464,7 @@
   </a:extraClrSchemeLst>
   <a:extLst>
     <a:ext uri="{05A4C25C-085E-4340-85A3-A5531E510DB2}">
-      <thm15:themeFamily xmlns:thm15="http://schemas.microsoft.com/office/thememl/2012/main" name="Office Theme" id="{62F939B6-93AF-4DB8-9C6B-D6C7DFDC589F}" vid="{4A3C46E8-61CC-4603-A589-7422A47A8E4A}"/>
+      <thm15:themeFamily xmlns:thm15="http://schemas.microsoft.com/office/thememl/2012/main" xmlns="" name="Office Theme" id="{62F939B6-93AF-4DB8-9C6B-D6C7DFDC589F}" vid="{4A3C46E8-61CC-4603-A589-7422A47A8E4A}"/>
     </a:ext>
   </a:extLst>
 </a:theme>
@@ -24743,7 +24752,7 @@
   <a:extraClrSchemeLst/>
   <a:extLst>
     <a:ext uri="{05A4C25C-085E-4340-85A3-A5531E510DB2}">
-      <thm15:themeFamily xmlns:thm15="http://schemas.microsoft.com/office/thememl/2012/main" name="Office Theme" id="{62F939B6-93AF-4DB8-9C6B-D6C7DFDC589F}" vid="{4A3C46E8-61CC-4603-A589-7422A47A8E4A}"/>
+      <thm15:themeFamily xmlns:thm15="http://schemas.microsoft.com/office/thememl/2012/main" xmlns="" name="Office Theme" id="{62F939B6-93AF-4DB8-9C6B-D6C7DFDC589F}" vid="{4A3C46E8-61CC-4603-A589-7422A47A8E4A}"/>
     </a:ext>
   </a:extLst>
 </a:theme>
